--- a/presentation/render/career_quest_engineering.pptx
+++ b/presentation/render/career_quest_engineering.pptx
@@ -15,6 +15,7 @@
     <p:sldId id="263" r:id="rId9"/>
     <p:sldId id="264" r:id="rId10"/>
     <p:sldId id="265" r:id="rId11"/>
+    <p:sldId id="266" r:id="rId12"/>
   </p:sldIdLst>
   <p:sldSz cx="12192000" cy="6858000"/>
   <p:notesSz cx="6858000" cy="9144000"/>
@@ -2622,7 +2623,7 @@
           <a:lstStyle/>
           <a:p>
             <a:r>
-              <a:rPr lang="en-US"/>
+              <a:rPr dirty="0" lang="en-US"/>
               <a:t>Click to edit Master title style</a:t>
             </a:r>
           </a:p>
@@ -2838,7 +2839,7 @@
         <a:buNone/>
         <a:defRPr kern="1200" sz="4400">
           <a:solidFill>
-            <a:schemeClr val="tx1"/>
+            <a:srgbClr val="002060"/>
           </a:solidFill>
           <a:latin typeface="+mj-lt"/>
           <a:ea typeface="+mj-ea"/>
@@ -3101,12 +3102,12 @@
       </p:grpSpPr>
       <p:sp>
         <p:nvSpPr>
-          <p:cNvPr id="2" name="Title 1"/>
-          <p:cNvSpPr>
-            <a:spLocks noGrp="1"/>
-          </p:cNvSpPr>
-          <p:nvPr>
-            <p:ph type="title"/>
+          <p:cNvPr id="3" name="Content Placeholder 2"/>
+          <p:cNvSpPr>
+            <a:spLocks noGrp="1"/>
+          </p:cNvSpPr>
+          <p:nvPr>
+            <p:ph idx="1"/>
           </p:nvPr>
         </p:nvSpPr>
         <p:spPr/>
@@ -3119,52 +3120,7 @@
             </a:pPr>
             <a:r>
               <a:rPr/>
-              <a:t>Career</a:t>
-            </a:r>
-            <a:r>
-              <a:rPr/>
-              <a:t> </a:t>
-            </a:r>
-            <a:r>
-              <a:rPr/>
-              <a:t>Quest</a:t>
-            </a:r>
-            <a:r>
-              <a:rPr/>
-              <a:t> </a:t>
-            </a:r>
-            <a:r>
-              <a:rPr/>
-              <a:t>Engineering</a:t>
-            </a:r>
-          </a:p>
-        </p:txBody>
-      </p:sp>
-      <p:sp>
-        <p:nvSpPr>
-          <p:cNvPr id="3" name="Content Placeholder 2"/>
-          <p:cNvSpPr>
-            <a:spLocks noGrp="1"/>
-          </p:cNvSpPr>
-          <p:nvPr>
-            <p:ph idx="1"/>
-          </p:nvPr>
-        </p:nvSpPr>
-        <p:spPr/>
-        <p:txBody>
-          <a:bodyPr/>
-          <a:lstStyle/>
-          <a:p>
-            <a:pPr lvl="0" marL="0" indent="0">
-              <a:buNone/>
-            </a:pPr>
-            <a:r>
-              <a:rPr/>
-              <a:t>Chéyo Jiménez, MSE </a:t>
-            </a:r>
-            <a:r>
-              <a:rPr i="1"/>
-              <a:t>Nov, 2021</a:t>
+              <a:t>marp: true</a:t>
             </a:r>
           </a:p>
         </p:txBody>
@@ -3175,6 +3131,131 @@
 </file>
 
 <file path=ppt/slides/slide10.xml><?xml version="1.0" encoding="utf-8"?>
+<p:sld xmlns:a="http://schemas.openxmlformats.org/drawingml/2006/main" xmlns:r="http://schemas.openxmlformats.org/officeDocument/2006/relationships" xmlns:p="http://schemas.openxmlformats.org/presentationml/2006/main">
+  <p:cSld>
+    <p:spTree>
+      <p:nvGrpSpPr>
+        <p:cNvPr id="1" name=""/>
+        <p:cNvGrpSpPr/>
+        <p:nvPr/>
+      </p:nvGrpSpPr>
+      <p:grpSpPr>
+        <a:xfrm>
+          <a:off x="0" y="0"/>
+          <a:ext cx="0" cy="0"/>
+          <a:chOff x="0" y="0"/>
+          <a:chExt cx="0" cy="0"/>
+        </a:xfrm>
+      </p:grpSpPr>
+      <p:sp>
+        <p:nvSpPr>
+          <p:cNvPr id="2" name="Title 1"/>
+          <p:cNvSpPr>
+            <a:spLocks noGrp="1"/>
+          </p:cNvSpPr>
+          <p:nvPr>
+            <p:ph type="title"/>
+          </p:nvPr>
+        </p:nvSpPr>
+        <p:spPr/>
+        <p:txBody>
+          <a:bodyPr/>
+          <a:lstStyle/>
+          <a:p>
+            <a:pPr lvl="0" marL="0" indent="0">
+              <a:buNone/>
+            </a:pPr>
+            <a:r>
+              <a:rPr/>
+              <a:t>Engineering</a:t>
+            </a:r>
+          </a:p>
+        </p:txBody>
+      </p:sp>
+      <p:sp>
+        <p:nvSpPr>
+          <p:cNvPr id="3" name="Content Placeholder 2"/>
+          <p:cNvSpPr>
+            <a:spLocks noGrp="1"/>
+          </p:cNvSpPr>
+          <p:nvPr>
+            <p:ph idx="1"/>
+          </p:nvPr>
+        </p:nvSpPr>
+        <p:spPr/>
+        <p:txBody>
+          <a:bodyPr/>
+          <a:lstStyle/>
+          <a:p>
+            <a:pPr lvl="0" marL="0" indent="0">
+              <a:buNone/>
+            </a:pPr>
+            <a:r>
+              <a:rPr/>
+              <a:t>According to </a:t>
+            </a:r>
+            <a:r>
+              <a:rPr>
+                <a:hlinkClick r:id="rId2"/>
+              </a:rPr>
+              <a:t>wikipedia</a:t>
+            </a:r>
+            <a:r>
+              <a:rPr/>
+              <a:t>, the word engine comes from the Latin </a:t>
+            </a:r>
+            <a:r>
+              <a:rPr i="1"/>
+              <a:t>ingenium</a:t>
+            </a:r>
+            <a:r>
+              <a:rPr/>
+              <a:t> which is the root word for ingenious.</a:t>
+            </a:r>
+          </a:p>
+          <a:p>
+            <a:pPr lvl="0" marL="0" indent="0">
+              <a:buNone/>
+            </a:pPr>
+            <a:r>
+              <a:rPr/>
+              <a:t>It is not a coincidence that engine and engineer only differ by the letters er at the end. The word engineer shares the same latin root of </a:t>
+            </a:r>
+            <a:r>
+              <a:rPr i="1"/>
+              <a:t>ingenium</a:t>
+            </a:r>
+            <a:r>
+              <a:rPr/>
+              <a:t> with engine. According to </a:t>
+            </a:r>
+            <a:r>
+              <a:rPr>
+                <a:hlinkClick r:id="rId3"/>
+              </a:rPr>
+              <a:t>wikipedia</a:t>
+            </a:r>
+            <a:r>
+              <a:rPr/>
+              <a:t> an </a:t>
+            </a:r>
+            <a:r>
+              <a:rPr i="1"/>
+              <a:t>engine’er</a:t>
+            </a:r>
+            <a:r>
+              <a:rPr/>
+              <a:t> literally meant someone one who operates an engine.</a:t>
+            </a:r>
+          </a:p>
+        </p:txBody>
+      </p:sp>
+    </p:spTree>
+  </p:cSld>
+</p:sld>
+</file>
+
+<file path=ppt/slides/slide11.xml><?xml version="1.0" encoding="utf-8"?>
 <p:sld xmlns:a="http://schemas.openxmlformats.org/drawingml/2006/main" xmlns:r="http://schemas.openxmlformats.org/officeDocument/2006/relationships" xmlns:p="http://schemas.openxmlformats.org/presentationml/2006/main">
   <p:cSld>
     <p:spTree>
@@ -3296,7 +3377,23 @@
             </a:pPr>
             <a:r>
               <a:rPr/>
-              <a:t>Definitions</a:t>
+              <a:t>Career</a:t>
+            </a:r>
+            <a:r>
+              <a:rPr/>
+              <a:t> </a:t>
+            </a:r>
+            <a:r>
+              <a:rPr/>
+              <a:t>Quest</a:t>
+            </a:r>
+            <a:r>
+              <a:rPr/>
+              <a:t> </a:t>
+            </a:r>
+            <a:r>
+              <a:rPr/>
+              <a:t>Engineering</a:t>
             </a:r>
           </a:p>
         </p:txBody>
@@ -3316,33 +3413,16 @@
           <a:bodyPr/>
           <a:lstStyle/>
           <a:p>
-            <a:pPr lvl="1"/>
-            <a:r>
-              <a:rPr/>
-              <a:t>Career</a:t>
-            </a:r>
-          </a:p>
-          <a:p>
-            <a:pPr lvl="1"/>
-            <a:r>
-              <a:rPr/>
-              <a:t>Quest</a:t>
-            </a:r>
-          </a:p>
-          <a:p>
-            <a:pPr lvl="1"/>
-            <a:r>
-              <a:rPr/>
-              <a:t>Engineering</a:t>
-            </a:r>
-          </a:p>
-          <a:p>
             <a:pPr lvl="0" marL="0" indent="0">
               <a:buNone/>
             </a:pPr>
             <a:r>
               <a:rPr/>
-              <a:t>I am going to try to convince you that this soup of words are related.</a:t>
+              <a:t>Chéyo Jiménez, MSE </a:t>
+            </a:r>
+            <a:r>
+              <a:rPr i="1"/>
+              <a:t>Nov, 2021</a:t>
             </a:r>
           </a:p>
         </p:txBody>
@@ -3389,59 +3469,53 @@
             </a:pPr>
             <a:r>
               <a:rPr/>
+              <a:t>Definitions</a:t>
+            </a:r>
+          </a:p>
+        </p:txBody>
+      </p:sp>
+      <p:sp>
+        <p:nvSpPr>
+          <p:cNvPr id="3" name="Content Placeholder 2"/>
+          <p:cNvSpPr>
+            <a:spLocks noGrp="1"/>
+          </p:cNvSpPr>
+          <p:nvPr>
+            <p:ph idx="1"/>
+          </p:nvPr>
+        </p:nvSpPr>
+        <p:spPr/>
+        <p:txBody>
+          <a:bodyPr/>
+          <a:lstStyle/>
+          <a:p>
+            <a:pPr lvl="1"/>
+            <a:r>
+              <a:rPr/>
               <a:t>Career</a:t>
             </a:r>
           </a:p>
-        </p:txBody>
-      </p:sp>
-      <p:sp>
-        <p:nvSpPr>
-          <p:cNvPr id="3" name="Content Placeholder 2"/>
-          <p:cNvSpPr>
-            <a:spLocks noGrp="1"/>
-          </p:cNvSpPr>
-          <p:nvPr>
-            <p:ph idx="1"/>
-          </p:nvPr>
-        </p:nvSpPr>
-        <p:spPr/>
-        <p:txBody>
-          <a:bodyPr/>
-          <a:lstStyle/>
+          <a:p>
+            <a:pPr lvl="1"/>
+            <a:r>
+              <a:rPr/>
+              <a:t>Quest</a:t>
+            </a:r>
+          </a:p>
+          <a:p>
+            <a:pPr lvl="1"/>
+            <a:r>
+              <a:rPr/>
+              <a:t>Engineering</a:t>
+            </a:r>
+          </a:p>
           <a:p>
             <a:pPr lvl="0" marL="0" indent="0">
               <a:buNone/>
             </a:pPr>
             <a:r>
               <a:rPr/>
-              <a:t>According to </a:t>
-            </a:r>
-            <a:r>
-              <a:rPr>
-                <a:hlinkClick r:id="rId2"/>
-              </a:rPr>
-              <a:t>wikipedia</a:t>
-            </a:r>
-            <a:r>
-              <a:rPr/>
-              <a:t> the word career comes from the latin </a:t>
-            </a:r>
-            <a:r>
-              <a:rPr i="1"/>
-              <a:t>carrus</a:t>
-            </a:r>
-            <a:r>
-              <a:rPr/>
-              <a:t> which means chariot. The chariots of our time (cars) are powered by engines. The main purpose of a car is to provide movement in a similar manner that a career is meant to provide progression of one’s profession.</a:t>
-            </a:r>
-          </a:p>
-          <a:p>
-            <a:pPr lvl="0" marL="0" indent="0">
-              <a:buNone/>
-            </a:pPr>
-            <a:r>
-              <a:rPr/>
-              <a:t>Most folks think of a career ladder when thinking bout this.</a:t>
+              <a:t>I am going to try to convince you that this soup of words are related.</a:t>
             </a:r>
           </a:p>
         </p:txBody>
@@ -3488,7 +3562,7 @@
             </a:pPr>
             <a:r>
               <a:rPr/>
-              <a:t>Quest</a:t>
+              <a:t>Career</a:t>
             </a:r>
           </a:p>
         </p:txBody>
@@ -3513,25 +3587,25 @@
             </a:pPr>
             <a:r>
               <a:rPr/>
-              <a:t>According </a:t>
+              <a:t>According to </a:t>
             </a:r>
             <a:r>
               <a:rPr>
                 <a:hlinkClick r:id="rId2"/>
               </a:rPr>
-              <a:t>etymonline</a:t>
-            </a:r>
-            <a:r>
-              <a:rPr/>
-              <a:t> the word quest come from the latin root </a:t>
+              <a:t>wikipedia</a:t>
+            </a:r>
+            <a:r>
+              <a:rPr/>
+              <a:t> the word career comes from the latin </a:t>
             </a:r>
             <a:r>
               <a:rPr i="1"/>
-              <a:t>quaere</a:t>
-            </a:r>
-            <a:r>
-              <a:rPr/>
-              <a:t> which means “to ask, inquire” and from Old French queste “search, quest, chase, hunt, pursuit; inquest, inquiry”</a:t>
+              <a:t>carrus</a:t>
+            </a:r>
+            <a:r>
+              <a:rPr/>
+              <a:t> which means chariot. The chariots of our time (cars) are powered by engines. The main purpose of a car is to provide movement in a similar manner that a career is meant to provide progression of one’s profession.</a:t>
             </a:r>
           </a:p>
           <a:p>
@@ -3540,7 +3614,7 @@
             </a:pPr>
             <a:r>
               <a:rPr/>
-              <a:t>English words with the same root: request, require, conquest, question, query, acquire</a:t>
+              <a:t>Most folks think of a career ladder when thinking bout this.</a:t>
             </a:r>
           </a:p>
         </p:txBody>
@@ -3587,41 +3661,63 @@
             </a:pPr>
             <a:r>
               <a:rPr/>
-              <a:t>Quest[ions]</a:t>
-            </a:r>
-          </a:p>
-        </p:txBody>
-      </p:sp>
-      <p:pic>
-        <p:nvPicPr>
-          <p:cNvPr descr="../media/synergies_questions.png" id="0" name="Picture 1"/>
-          <p:cNvPicPr>
-            <a:picLocks noGrp="1" noChangeAspect="1"/>
-          </p:cNvPicPr>
-          <p:nvPr/>
-        </p:nvPicPr>
-        <p:blipFill>
-          <a:blip r:embed="rId2"/>
-          <a:stretch>
-            <a:fillRect/>
-          </a:stretch>
-        </p:blipFill>
-        <p:spPr bwMode="auto">
-          <a:xfrm>
-            <a:off x="1587500" y="1600200"/>
-            <a:ext cx="9017000" cy="4521200"/>
-          </a:xfrm>
-          <a:prstGeom prst="rect">
-            <a:avLst/>
-          </a:prstGeom>
-          <a:noFill/>
-          <a:ln w="9525">
-            <a:noFill/>
-            <a:headEnd/>
-            <a:tailEnd/>
-          </a:ln>
-        </p:spPr>
-      </p:pic>
+              <a:t>Quest</a:t>
+            </a:r>
+          </a:p>
+        </p:txBody>
+      </p:sp>
+      <p:sp>
+        <p:nvSpPr>
+          <p:cNvPr id="3" name="Content Placeholder 2"/>
+          <p:cNvSpPr>
+            <a:spLocks noGrp="1"/>
+          </p:cNvSpPr>
+          <p:nvPr>
+            <p:ph idx="1"/>
+          </p:nvPr>
+        </p:nvSpPr>
+        <p:spPr/>
+        <p:txBody>
+          <a:bodyPr/>
+          <a:lstStyle/>
+          <a:p>
+            <a:pPr lvl="0" marL="0" indent="0">
+              <a:buNone/>
+            </a:pPr>
+            <a:r>
+              <a:rPr/>
+              <a:t>According </a:t>
+            </a:r>
+            <a:r>
+              <a:rPr>
+                <a:hlinkClick r:id="rId2"/>
+              </a:rPr>
+              <a:t>etymonline</a:t>
+            </a:r>
+            <a:r>
+              <a:rPr/>
+              <a:t> the word quest come from the latin root </a:t>
+            </a:r>
+            <a:r>
+              <a:rPr i="1"/>
+              <a:t>quaere</a:t>
+            </a:r>
+            <a:r>
+              <a:rPr/>
+              <a:t> which means “to ask, inquire” and from Old French queste “search, quest, chase, hunt, pursuit; inquest, inquiry”</a:t>
+            </a:r>
+          </a:p>
+          <a:p>
+            <a:pPr lvl="0" marL="0" indent="0">
+              <a:buNone/>
+            </a:pPr>
+            <a:r>
+              <a:rPr/>
+              <a:t>English words with the same root: request, require, conquest, question, query, acquire</a:t>
+            </a:r>
+          </a:p>
+        </p:txBody>
+      </p:sp>
     </p:spTree>
   </p:cSld>
 </p:sld>
@@ -3664,38 +3760,14 @@
             </a:pPr>
             <a:r>
               <a:rPr/>
-              <a:t>Quest[why]:</a:t>
-            </a:r>
-            <a:r>
-              <a:rPr/>
-              <a:t> </a:t>
-            </a:r>
-            <a:r>
-              <a:rPr/>
-              <a:t>the</a:t>
-            </a:r>
-            <a:r>
-              <a:rPr/>
-              <a:t> </a:t>
-            </a:r>
-            <a:r>
-              <a:rPr/>
-              <a:t>main</a:t>
-            </a:r>
-            <a:r>
-              <a:rPr/>
-              <a:t> </a:t>
-            </a:r>
-            <a:r>
-              <a:rPr/>
-              <a:t>quest[ino]</a:t>
+              <a:t>Quest[ions]</a:t>
             </a:r>
           </a:p>
         </p:txBody>
       </p:sp>
       <p:pic>
         <p:nvPicPr>
-          <p:cNvPr descr="../media/synergies_questions_why.png" id="0" name="Picture 1"/>
+          <p:cNvPr descr="../media/synergies_questions.png" id="0" name="Picture 1"/>
           <p:cNvPicPr>
             <a:picLocks noGrp="1" noChangeAspect="1"/>
           </p:cNvPicPr>
@@ -3765,7 +3837,7 @@
             </a:pPr>
             <a:r>
               <a:rPr/>
-              <a:t>Career</a:t>
+              <a:t>Quest[why]:</a:t>
             </a:r>
             <a:r>
               <a:rPr/>
@@ -3773,91 +3845,30 @@
             </a:r>
             <a:r>
               <a:rPr/>
-              <a:t>[when][where]</a:t>
-            </a:r>
-          </a:p>
-        </p:txBody>
-      </p:sp>
-      <p:sp>
-        <p:nvSpPr>
-          <p:cNvPr id="3" name="Content Placeholder 2"/>
-          <p:cNvSpPr>
-            <a:spLocks noGrp="1"/>
-          </p:cNvSpPr>
-          <p:nvPr>
-            <p:ph idx="1"/>
-          </p:nvPr>
-        </p:nvSpPr>
-        <p:spPr/>
-        <p:txBody>
-          <a:bodyPr/>
-          <a:lstStyle/>
-          <a:p>
-            <a:pPr lvl="1"/>
-            <a:r>
-              <a:rPr/>
-              <a:t>In the career space-time continuum, where/when is a point somewhere in space-time career.</a:t>
-            </a:r>
-          </a:p>
-          <a:p>
-            <a:pPr lvl="1"/>
-            <a:r>
-              <a:rPr/>
-              <a:t>The arrow of time is constant and it is always moving forward.</a:t>
-            </a:r>
-          </a:p>
-        </p:txBody>
-      </p:sp>
-    </p:spTree>
-  </p:cSld>
-</p:sld>
-</file>
-
-<file path=ppt/slides/slide8.xml><?xml version="1.0" encoding="utf-8"?>
-<p:sld xmlns:a="http://schemas.openxmlformats.org/drawingml/2006/main" xmlns:r="http://schemas.openxmlformats.org/officeDocument/2006/relationships" xmlns:p="http://schemas.openxmlformats.org/presentationml/2006/main">
-  <p:cSld>
-    <p:spTree>
-      <p:nvGrpSpPr>
-        <p:cNvPr id="1" name=""/>
-        <p:cNvGrpSpPr/>
-        <p:nvPr/>
-      </p:nvGrpSpPr>
-      <p:grpSpPr>
-        <a:xfrm>
-          <a:off x="0" y="0"/>
-          <a:ext cx="0" cy="0"/>
-          <a:chOff x="0" y="0"/>
-          <a:chExt cx="0" cy="0"/>
-        </a:xfrm>
-      </p:grpSpPr>
-      <p:sp>
-        <p:nvSpPr>
-          <p:cNvPr id="2" name="Title 1"/>
-          <p:cNvSpPr>
-            <a:spLocks noGrp="1"/>
-          </p:cNvSpPr>
-          <p:nvPr>
-            <p:ph type="title"/>
-          </p:nvPr>
-        </p:nvSpPr>
-        <p:spPr/>
-        <p:txBody>
-          <a:bodyPr/>
-          <a:lstStyle/>
-          <a:p>
-            <a:pPr lvl="0" marL="0" indent="0">
-              <a:buNone/>
-            </a:pPr>
-            <a:r>
-              <a:rPr/>
-              <a:t>Engineering</a:t>
+              <a:t>the</a:t>
+            </a:r>
+            <a:r>
+              <a:rPr/>
+              <a:t> </a:t>
+            </a:r>
+            <a:r>
+              <a:rPr/>
+              <a:t>main</a:t>
+            </a:r>
+            <a:r>
+              <a:rPr/>
+              <a:t> </a:t>
+            </a:r>
+            <a:r>
+              <a:rPr/>
+              <a:t>quest[ino]</a:t>
             </a:r>
           </a:p>
         </p:txBody>
       </p:sp>
       <p:pic>
         <p:nvPicPr>
-          <p:cNvPr descr="../media/synergies_career.png" id="0" name="Picture 1"/>
+          <p:cNvPr descr="../media/synergies_questions_why.png" id="0" name="Picture 1"/>
           <p:cNvPicPr>
             <a:picLocks noGrp="1" noChangeAspect="1"/>
           </p:cNvPicPr>
@@ -3890,6 +3901,91 @@
 </p:sld>
 </file>
 
+<file path=ppt/slides/slide8.xml><?xml version="1.0" encoding="utf-8"?>
+<p:sld xmlns:a="http://schemas.openxmlformats.org/drawingml/2006/main" xmlns:r="http://schemas.openxmlformats.org/officeDocument/2006/relationships" xmlns:p="http://schemas.openxmlformats.org/presentationml/2006/main">
+  <p:cSld>
+    <p:spTree>
+      <p:nvGrpSpPr>
+        <p:cNvPr id="1" name=""/>
+        <p:cNvGrpSpPr/>
+        <p:nvPr/>
+      </p:nvGrpSpPr>
+      <p:grpSpPr>
+        <a:xfrm>
+          <a:off x="0" y="0"/>
+          <a:ext cx="0" cy="0"/>
+          <a:chOff x="0" y="0"/>
+          <a:chExt cx="0" cy="0"/>
+        </a:xfrm>
+      </p:grpSpPr>
+      <p:sp>
+        <p:nvSpPr>
+          <p:cNvPr id="2" name="Title 1"/>
+          <p:cNvSpPr>
+            <a:spLocks noGrp="1"/>
+          </p:cNvSpPr>
+          <p:nvPr>
+            <p:ph type="title"/>
+          </p:nvPr>
+        </p:nvSpPr>
+        <p:spPr/>
+        <p:txBody>
+          <a:bodyPr/>
+          <a:lstStyle/>
+          <a:p>
+            <a:pPr lvl="0" marL="0" indent="0">
+              <a:buNone/>
+            </a:pPr>
+            <a:r>
+              <a:rPr/>
+              <a:t>Career</a:t>
+            </a:r>
+            <a:r>
+              <a:rPr/>
+              <a:t> </a:t>
+            </a:r>
+            <a:r>
+              <a:rPr/>
+              <a:t>[when][where]</a:t>
+            </a:r>
+          </a:p>
+        </p:txBody>
+      </p:sp>
+      <p:sp>
+        <p:nvSpPr>
+          <p:cNvPr id="3" name="Content Placeholder 2"/>
+          <p:cNvSpPr>
+            <a:spLocks noGrp="1"/>
+          </p:cNvSpPr>
+          <p:nvPr>
+            <p:ph idx="1"/>
+          </p:nvPr>
+        </p:nvSpPr>
+        <p:spPr/>
+        <p:txBody>
+          <a:bodyPr/>
+          <a:lstStyle/>
+          <a:p>
+            <a:pPr lvl="1"/>
+            <a:r>
+              <a:rPr/>
+              <a:t>In the career space-time continuum, where/when is a point somewhere in space-time career.</a:t>
+            </a:r>
+          </a:p>
+          <a:p>
+            <a:pPr lvl="1"/>
+            <a:r>
+              <a:rPr/>
+              <a:t>The arrow of time is constant and it is always moving forward.</a:t>
+            </a:r>
+          </a:p>
+        </p:txBody>
+      </p:sp>
+    </p:spTree>
+  </p:cSld>
+</p:sld>
+</file>
+
 <file path=ppt/slides/slide9.xml><?xml version="1.0" encoding="utf-8"?>
 <p:sld xmlns:a="http://schemas.openxmlformats.org/drawingml/2006/main" xmlns:r="http://schemas.openxmlformats.org/officeDocument/2006/relationships" xmlns:p="http://schemas.openxmlformats.org/presentationml/2006/main">
   <p:cSld>
@@ -3932,84 +4028,36 @@
           </a:p>
         </p:txBody>
       </p:sp>
-      <p:sp>
-        <p:nvSpPr>
-          <p:cNvPr id="3" name="Content Placeholder 2"/>
-          <p:cNvSpPr>
-            <a:spLocks noGrp="1"/>
-          </p:cNvSpPr>
-          <p:nvPr>
-            <p:ph idx="1"/>
-          </p:nvPr>
-        </p:nvSpPr>
-        <p:spPr/>
-        <p:txBody>
-          <a:bodyPr/>
-          <a:lstStyle/>
-          <a:p>
-            <a:pPr lvl="0" marL="0" indent="0">
-              <a:buNone/>
-            </a:pPr>
-            <a:r>
-              <a:rPr/>
-              <a:t>According to </a:t>
-            </a:r>
-            <a:r>
-              <a:rPr>
-                <a:hlinkClick r:id="rId2"/>
-              </a:rPr>
-              <a:t>wikipedia</a:t>
-            </a:r>
-            <a:r>
-              <a:rPr/>
-              <a:t>, the word engine comes from the Latin </a:t>
-            </a:r>
-            <a:r>
-              <a:rPr i="1"/>
-              <a:t>ingenium</a:t>
-            </a:r>
-            <a:r>
-              <a:rPr/>
-              <a:t> which is the root word for ingenious.</a:t>
-            </a:r>
-          </a:p>
-          <a:p>
-            <a:pPr lvl="0" marL="0" indent="0">
-              <a:buNone/>
-            </a:pPr>
-            <a:r>
-              <a:rPr/>
-              <a:t>It is not a coincidence that engine and engineer only differ by the letters er at the end. The word engineer shares the same latin root of </a:t>
-            </a:r>
-            <a:r>
-              <a:rPr i="1"/>
-              <a:t>ingenium</a:t>
-            </a:r>
-            <a:r>
-              <a:rPr/>
-              <a:t> with engine. According to </a:t>
-            </a:r>
-            <a:r>
-              <a:rPr>
-                <a:hlinkClick r:id="rId3"/>
-              </a:rPr>
-              <a:t>wikipedia</a:t>
-            </a:r>
-            <a:r>
-              <a:rPr/>
-              <a:t> an </a:t>
-            </a:r>
-            <a:r>
-              <a:rPr i="1"/>
-              <a:t>engine’er</a:t>
-            </a:r>
-            <a:r>
-              <a:rPr/>
-              <a:t> literally meant someone one who operates an engine.</a:t>
-            </a:r>
-          </a:p>
-        </p:txBody>
-      </p:sp>
+      <p:pic>
+        <p:nvPicPr>
+          <p:cNvPr descr="../media/synergies_career.png" id="0" name="Picture 1"/>
+          <p:cNvPicPr>
+            <a:picLocks noGrp="1" noChangeAspect="1"/>
+          </p:cNvPicPr>
+          <p:nvPr/>
+        </p:nvPicPr>
+        <p:blipFill>
+          <a:blip r:embed="rId2"/>
+          <a:stretch>
+            <a:fillRect/>
+          </a:stretch>
+        </p:blipFill>
+        <p:spPr bwMode="auto">
+          <a:xfrm>
+            <a:off x="1587500" y="1600200"/>
+            <a:ext cx="9017000" cy="4521200"/>
+          </a:xfrm>
+          <a:prstGeom prst="rect">
+            <a:avLst/>
+          </a:prstGeom>
+          <a:noFill/>
+          <a:ln w="9525">
+            <a:noFill/>
+            <a:headEnd/>
+            <a:tailEnd/>
+          </a:ln>
+        </p:spPr>
+      </p:pic>
     </p:spTree>
   </p:cSld>
 </p:sld>
